--- a/documentation/Java training 43 - Security - Java EE - practice.pptx
+++ b/documentation/Java training 43 - Security - Java EE - practice.pptx
@@ -3048,11 +3048,7 @@
             </a:pPr>
             <a:r>
               <a:rPr lang="hu-HU" dirty="0" smtClean="0"/>
-              <a:t>Java </a:t>
-            </a:r>
-            <a:r>
-              <a:rPr lang="hu-HU" dirty="0" smtClean="0"/>
-              <a:t>EE</a:t>
+              <a:t>Java EE</a:t>
             </a:r>
           </a:p>
           <a:p>
@@ -3333,27 +3329,27 @@
               <a:t>&lt;</a:t>
             </a:r>
             <a:r>
-              <a:rPr lang="hu-HU" sz="1400" dirty="0" err="1"/>
+              <a:rPr lang="hu-HU" sz="1400" dirty="0" err="1" smtClean="0"/>
               <a:t>role</a:t>
             </a:r>
             <a:r>
-              <a:rPr lang="hu-HU" sz="1400" dirty="0"/>
+              <a:rPr lang="hu-HU" sz="1400" dirty="0" smtClean="0"/>
               <a:t> </a:t>
             </a:r>
             <a:r>
-              <a:rPr lang="hu-HU" sz="1400" dirty="0" err="1"/>
+              <a:rPr lang="hu-HU" sz="1400" dirty="0" err="1" smtClean="0"/>
               <a:t>rolename</a:t>
             </a:r>
             <a:r>
-              <a:rPr lang="hu-HU" sz="1400" dirty="0"/>
+              <a:rPr lang="hu-HU" sz="1400" dirty="0" smtClean="0"/>
               <a:t>="</a:t>
             </a:r>
             <a:r>
-              <a:rPr lang="hu-HU" sz="1400" dirty="0" err="1"/>
+              <a:rPr lang="hu-HU" sz="1400" dirty="0" err="1" smtClean="0"/>
               <a:t>user</a:t>
             </a:r>
             <a:r>
-              <a:rPr lang="hu-HU" sz="1400" dirty="0"/>
+              <a:rPr lang="hu-HU" sz="1400" dirty="0" smtClean="0"/>
               <a:t>"/&gt;</a:t>
             </a:r>
           </a:p>
@@ -3362,35 +3358,202 @@
               <a:buNone/>
             </a:pPr>
             <a:r>
-              <a:rPr lang="hu-HU" sz="1400" dirty="0"/>
+              <a:rPr lang="hu-HU" sz="1400" dirty="0" smtClean="0"/>
+              <a:t> &lt;</a:t>
+            </a:r>
+            <a:r>
+              <a:rPr lang="hu-HU" sz="1400" dirty="0" err="1" smtClean="0"/>
+              <a:t>role</a:t>
+            </a:r>
+            <a:r>
+              <a:rPr lang="hu-HU" sz="1400" dirty="0" smtClean="0"/>
               <a:t> </a:t>
             </a:r>
             <a:r>
+              <a:rPr lang="hu-HU" sz="1400" dirty="0" err="1" smtClean="0"/>
+              <a:t>rolename</a:t>
+            </a:r>
+            <a:r>
               <a:rPr lang="hu-HU" sz="1400" dirty="0" smtClean="0"/>
-              <a:t>&lt;</a:t>
-            </a:r>
-            <a:r>
-              <a:rPr lang="hu-HU" sz="1400" dirty="0" err="1"/>
+              <a:t>="</a:t>
+            </a:r>
+            <a:r>
+              <a:rPr lang="hu-HU" sz="1400" dirty="0" err="1" smtClean="0"/>
+              <a:t>manager</a:t>
+            </a:r>
+            <a:r>
+              <a:rPr lang="hu-HU" sz="1400" dirty="0" smtClean="0"/>
+              <a:t>"/&gt;</a:t>
+            </a:r>
+          </a:p>
+          <a:p>
+            <a:pPr marL="0" indent="0">
+              <a:buNone/>
+            </a:pPr>
+            <a:r>
+              <a:rPr lang="hu-HU" sz="1400" dirty="0" smtClean="0"/>
+              <a:t> &lt;</a:t>
+            </a:r>
+            <a:r>
+              <a:rPr lang="hu-HU" sz="1400" dirty="0" err="1" smtClean="0"/>
               <a:t>role</a:t>
             </a:r>
             <a:r>
-              <a:rPr lang="hu-HU" sz="1400" dirty="0"/>
+              <a:rPr lang="hu-HU" sz="1400" dirty="0" smtClean="0"/>
               <a:t> </a:t>
             </a:r>
             <a:r>
-              <a:rPr lang="hu-HU" sz="1400" dirty="0" err="1"/>
+              <a:rPr lang="hu-HU" sz="1400" dirty="0" err="1" smtClean="0"/>
               <a:t>rolename</a:t>
             </a:r>
             <a:r>
-              <a:rPr lang="hu-HU" sz="1400" dirty="0"/>
+              <a:rPr lang="hu-HU" sz="1400" dirty="0" smtClean="0"/>
               <a:t>="</a:t>
             </a:r>
             <a:r>
-              <a:rPr lang="hu-HU" sz="1400" dirty="0" err="1"/>
+              <a:rPr lang="hu-HU" sz="1400" dirty="0" err="1" smtClean="0"/>
+              <a:t>admin</a:t>
+            </a:r>
+            <a:r>
+              <a:rPr lang="hu-HU" sz="1400" dirty="0" smtClean="0"/>
+              <a:t>"/&gt;</a:t>
+            </a:r>
+          </a:p>
+          <a:p>
+            <a:pPr marL="0" indent="0">
+              <a:buNone/>
+            </a:pPr>
+            <a:r>
+              <a:rPr lang="hu-HU" sz="1400" dirty="0" smtClean="0"/>
+              <a:t> &lt;</a:t>
+            </a:r>
+            <a:r>
+              <a:rPr lang="hu-HU" sz="1400" dirty="0" err="1" smtClean="0"/>
+              <a:t>user</a:t>
+            </a:r>
+            <a:r>
+              <a:rPr lang="hu-HU" sz="1400" dirty="0" smtClean="0"/>
+              <a:t> </a:t>
+            </a:r>
+            <a:r>
+              <a:rPr lang="hu-HU" sz="1400" dirty="0" err="1" smtClean="0"/>
+              <a:t>username</a:t>
+            </a:r>
+            <a:r>
+              <a:rPr lang="hu-HU" sz="1400" dirty="0" smtClean="0"/>
+              <a:t>="</a:t>
+            </a:r>
+            <a:r>
+              <a:rPr lang="hu-HU" sz="1400" dirty="0" err="1" smtClean="0"/>
+              <a:t>user</a:t>
+            </a:r>
+            <a:r>
+              <a:rPr lang="hu-HU" sz="1400" dirty="0" smtClean="0"/>
+              <a:t>" </a:t>
+            </a:r>
+            <a:r>
+              <a:rPr lang="hu-HU" sz="1400" dirty="0" err="1" smtClean="0"/>
+              <a:t>password</a:t>
+            </a:r>
+            <a:r>
+              <a:rPr lang="hu-HU" sz="1400" dirty="0" smtClean="0"/>
+              <a:t>="</a:t>
+            </a:r>
+            <a:r>
+              <a:rPr lang="hu-HU" sz="1400" dirty="0" err="1" smtClean="0"/>
+              <a:t>user</a:t>
+            </a:r>
+            <a:r>
+              <a:rPr lang="hu-HU" sz="1400" dirty="0" smtClean="0"/>
+              <a:t>" </a:t>
+            </a:r>
+            <a:r>
+              <a:rPr lang="hu-HU" sz="1400" dirty="0" err="1" smtClean="0"/>
+              <a:t>roles</a:t>
+            </a:r>
+            <a:r>
+              <a:rPr lang="hu-HU" sz="1400" dirty="0" smtClean="0"/>
+              <a:t>="</a:t>
+            </a:r>
+            <a:r>
+              <a:rPr lang="hu-HU" sz="1400" dirty="0" err="1" smtClean="0"/>
+              <a:t>user</a:t>
+            </a:r>
+            <a:r>
+              <a:rPr lang="hu-HU" sz="1400" dirty="0" smtClean="0"/>
+              <a:t>"/&gt;</a:t>
+            </a:r>
+          </a:p>
+          <a:p>
+            <a:pPr marL="0" indent="0">
+              <a:buNone/>
+            </a:pPr>
+            <a:r>
+              <a:rPr lang="hu-HU" sz="1400" dirty="0" smtClean="0"/>
+              <a:t> &lt;</a:t>
+            </a:r>
+            <a:r>
+              <a:rPr lang="hu-HU" sz="1400" dirty="0" err="1" smtClean="0"/>
+              <a:t>user</a:t>
+            </a:r>
+            <a:r>
+              <a:rPr lang="hu-HU" sz="1400" dirty="0" smtClean="0"/>
+              <a:t> </a:t>
+            </a:r>
+            <a:r>
+              <a:rPr lang="hu-HU" sz="1400" dirty="0" err="1" smtClean="0"/>
+              <a:t>username</a:t>
+            </a:r>
+            <a:r>
+              <a:rPr lang="hu-HU" sz="1400" dirty="0" smtClean="0"/>
+              <a:t>="</a:t>
+            </a:r>
+            <a:r>
+              <a:rPr lang="hu-HU" sz="1400" dirty="0" err="1" smtClean="0"/>
               <a:t>manager</a:t>
             </a:r>
             <a:r>
-              <a:rPr lang="hu-HU" sz="1400" dirty="0"/>
+              <a:rPr lang="hu-HU" sz="1400" dirty="0" smtClean="0"/>
+              <a:t>" </a:t>
+            </a:r>
+            <a:r>
+              <a:rPr lang="hu-HU" sz="1400" dirty="0" err="1" smtClean="0"/>
+              <a:t>password</a:t>
+            </a:r>
+            <a:r>
+              <a:rPr lang="hu-HU" sz="1400" dirty="0" smtClean="0"/>
+              <a:t>="</a:t>
+            </a:r>
+            <a:r>
+              <a:rPr lang="hu-HU" sz="1400" dirty="0" err="1" smtClean="0"/>
+              <a:t>manager</a:t>
+            </a:r>
+            <a:r>
+              <a:rPr lang="hu-HU" sz="1400" dirty="0" smtClean="0"/>
+              <a:t>" </a:t>
+            </a:r>
+            <a:r>
+              <a:rPr lang="hu-HU" sz="1400" dirty="0" err="1" smtClean="0"/>
+              <a:t>roles</a:t>
+            </a:r>
+            <a:r>
+              <a:rPr lang="hu-HU" sz="1400" dirty="0" smtClean="0"/>
+              <a:t>="</a:t>
+            </a:r>
+            <a:r>
+              <a:rPr lang="hu-HU" sz="1400" dirty="0" err="1" smtClean="0"/>
+              <a:t>manager</a:t>
+            </a:r>
+            <a:r>
+              <a:rPr lang="hu-HU" sz="1400" dirty="0" smtClean="0"/>
+              <a:t>,</a:t>
+            </a:r>
+            <a:r>
+              <a:rPr lang="hu-HU" sz="1400" dirty="0" err="1" smtClean="0"/>
+              <a:t>user</a:t>
+            </a:r>
+            <a:r>
+              <a:rPr lang="hu-HU" sz="1400" dirty="0" smtClean="0"/>
               <a:t>"/&gt;</a:t>
             </a:r>
           </a:p>
@@ -3399,266 +3562,79 @@
               <a:buNone/>
             </a:pPr>
             <a:r>
-              <a:rPr lang="hu-HU" sz="1400" dirty="0"/>
+              <a:rPr lang="hu-HU" sz="1400" dirty="0" smtClean="0"/>
+              <a:t> &lt;</a:t>
+            </a:r>
+            <a:r>
+              <a:rPr lang="hu-HU" sz="1400" dirty="0" err="1" smtClean="0"/>
+              <a:t>user</a:t>
+            </a:r>
+            <a:r>
+              <a:rPr lang="hu-HU" sz="1400" dirty="0" smtClean="0"/>
               <a:t> </a:t>
             </a:r>
             <a:r>
+              <a:rPr lang="hu-HU" sz="1400" dirty="0" err="1" smtClean="0"/>
+              <a:t>username</a:t>
+            </a:r>
+            <a:r>
               <a:rPr lang="hu-HU" sz="1400" dirty="0" smtClean="0"/>
-              <a:t>&lt;</a:t>
-            </a:r>
-            <a:r>
-              <a:rPr lang="hu-HU" sz="1400" dirty="0" err="1"/>
-              <a:t>role</a:t>
-            </a:r>
-            <a:r>
-              <a:rPr lang="hu-HU" sz="1400" dirty="0"/>
-              <a:t> </a:t>
-            </a:r>
-            <a:r>
-              <a:rPr lang="hu-HU" sz="1400" dirty="0" err="1"/>
-              <a:t>rolename</a:t>
-            </a:r>
-            <a:r>
-              <a:rPr lang="hu-HU" sz="1400" dirty="0"/>
               <a:t>="</a:t>
             </a:r>
             <a:r>
-              <a:rPr lang="hu-HU" sz="1400" dirty="0" err="1"/>
+              <a:rPr lang="hu-HU" sz="1400" dirty="0" err="1" smtClean="0"/>
               <a:t>admin</a:t>
             </a:r>
             <a:r>
-              <a:rPr lang="hu-HU" sz="1400" dirty="0"/>
-              <a:t>"/&gt;</a:t>
-            </a:r>
-          </a:p>
-          <a:p>
-            <a:pPr marL="0" indent="0">
-              <a:buNone/>
-            </a:pPr>
-            <a:r>
-              <a:rPr lang="hu-HU" sz="1400" dirty="0"/>
-              <a:t> </a:t>
-            </a:r>
-            <a:r>
               <a:rPr lang="hu-HU" sz="1400" dirty="0" smtClean="0"/>
-              <a:t>&lt;</a:t>
-            </a:r>
-            <a:r>
-              <a:rPr lang="hu-HU" sz="1400" dirty="0" err="1"/>
+              <a:t>" </a:t>
+            </a:r>
+            <a:r>
+              <a:rPr lang="hu-HU" sz="1400" dirty="0" err="1" smtClean="0"/>
+              <a:t>password</a:t>
+            </a:r>
+            <a:r>
+              <a:rPr lang="hu-HU" sz="1400" dirty="0" smtClean="0"/>
+              <a:t>="</a:t>
+            </a:r>
+            <a:r>
+              <a:rPr lang="hu-HU" sz="1400" dirty="0" err="1" smtClean="0"/>
+              <a:t>admin</a:t>
+            </a:r>
+            <a:r>
+              <a:rPr lang="hu-HU" sz="1400" dirty="0" smtClean="0"/>
+              <a:t>" </a:t>
+            </a:r>
+            <a:r>
+              <a:rPr lang="hu-HU" sz="1400" dirty="0" err="1" smtClean="0"/>
+              <a:t>roles</a:t>
+            </a:r>
+            <a:r>
+              <a:rPr lang="hu-HU" sz="1400" dirty="0" smtClean="0"/>
+              <a:t>="</a:t>
+            </a:r>
+            <a:r>
+              <a:rPr lang="hu-HU" sz="1400" dirty="0" err="1" smtClean="0"/>
+              <a:t>admin</a:t>
+            </a:r>
+            <a:r>
+              <a:rPr lang="hu-HU" sz="1400" dirty="0" smtClean="0"/>
+              <a:t>,</a:t>
+            </a:r>
+            <a:r>
+              <a:rPr lang="hu-HU" sz="1400" dirty="0" err="1" smtClean="0"/>
+              <a:t>manager</a:t>
+            </a:r>
+            <a:r>
+              <a:rPr lang="hu-HU" sz="1400" dirty="0" smtClean="0"/>
+              <a:t>,</a:t>
+            </a:r>
+            <a:r>
+              <a:rPr lang="hu-HU" sz="1400" dirty="0" err="1" smtClean="0"/>
               <a:t>user</a:t>
             </a:r>
             <a:r>
-              <a:rPr lang="hu-HU" sz="1400" dirty="0"/>
-              <a:t> </a:t>
-            </a:r>
-            <a:r>
-              <a:rPr lang="hu-HU" sz="1400" dirty="0" err="1"/>
-              <a:t>username</a:t>
-            </a:r>
-            <a:r>
-              <a:rPr lang="hu-HU" sz="1400" dirty="0"/>
-              <a:t>="</a:t>
-            </a:r>
-            <a:r>
-              <a:rPr lang="hu-HU" sz="1400" dirty="0" err="1"/>
-              <a:t>user</a:t>
-            </a:r>
-            <a:r>
-              <a:rPr lang="hu-HU" sz="1400" dirty="0"/>
-              <a:t>" </a:t>
-            </a:r>
-            <a:r>
-              <a:rPr lang="hu-HU" sz="1400" dirty="0" err="1"/>
-              <a:t>password</a:t>
-            </a:r>
-            <a:r>
-              <a:rPr lang="hu-HU" sz="1400" dirty="0"/>
-              <a:t>="</a:t>
-            </a:r>
-            <a:r>
-              <a:rPr lang="hu-HU" sz="1400" dirty="0" err="1"/>
-              <a:t>user</a:t>
-            </a:r>
-            <a:r>
-              <a:rPr lang="hu-HU" sz="1400" dirty="0"/>
-              <a:t>" </a:t>
-            </a:r>
-            <a:r>
-              <a:rPr lang="hu-HU" sz="1400" dirty="0" err="1"/>
-              <a:t>roles</a:t>
-            </a:r>
-            <a:r>
-              <a:rPr lang="hu-HU" sz="1400" dirty="0"/>
-              <a:t>="</a:t>
-            </a:r>
-            <a:r>
-              <a:rPr lang="hu-HU" sz="1400" dirty="0" err="1"/>
-              <a:t>user</a:t>
-            </a:r>
-            <a:r>
-              <a:rPr lang="hu-HU" sz="1400" dirty="0"/>
-              <a:t>"/&gt;</a:t>
-            </a:r>
-          </a:p>
-          <a:p>
-            <a:pPr marL="0" indent="0">
-              <a:buNone/>
-            </a:pPr>
-            <a:r>
-              <a:rPr lang="hu-HU" sz="1400" dirty="0"/>
-              <a:t> </a:t>
-            </a:r>
-            <a:r>
               <a:rPr lang="hu-HU" sz="1400" dirty="0" smtClean="0"/>
-              <a:t>&lt;</a:t>
-            </a:r>
-            <a:r>
-              <a:rPr lang="hu-HU" sz="1400" dirty="0" err="1"/>
-              <a:t>user</a:t>
-            </a:r>
-            <a:r>
-              <a:rPr lang="hu-HU" sz="1400" dirty="0"/>
-              <a:t> </a:t>
-            </a:r>
-            <a:r>
-              <a:rPr lang="hu-HU" sz="1400" dirty="0" err="1"/>
-              <a:t>username</a:t>
-            </a:r>
-            <a:r>
-              <a:rPr lang="hu-HU" sz="1400" dirty="0"/>
-              <a:t>="</a:t>
-            </a:r>
-            <a:r>
-              <a:rPr lang="hu-HU" sz="1400" dirty="0" err="1"/>
-              <a:t>manager</a:t>
-            </a:r>
-            <a:r>
-              <a:rPr lang="hu-HU" sz="1400" dirty="0"/>
-              <a:t>" </a:t>
-            </a:r>
-            <a:r>
-              <a:rPr lang="hu-HU" sz="1400" dirty="0" err="1"/>
-              <a:t>password</a:t>
-            </a:r>
-            <a:r>
-              <a:rPr lang="hu-HU" sz="1400" dirty="0"/>
-              <a:t>="</a:t>
-            </a:r>
-            <a:r>
-              <a:rPr lang="hu-HU" sz="1400" dirty="0" err="1"/>
-              <a:t>manager</a:t>
-            </a:r>
-            <a:r>
-              <a:rPr lang="hu-HU" sz="1400" dirty="0"/>
-              <a:t>" </a:t>
-            </a:r>
-            <a:r>
-              <a:rPr lang="hu-HU" sz="1400" dirty="0" err="1"/>
-              <a:t>roles</a:t>
-            </a:r>
-            <a:r>
-              <a:rPr lang="hu-HU" sz="1400" dirty="0"/>
-              <a:t>="</a:t>
-            </a:r>
-            <a:r>
-              <a:rPr lang="hu-HU" sz="1400" dirty="0" err="1"/>
-              <a:t>manager</a:t>
-            </a:r>
-            <a:r>
-              <a:rPr lang="hu-HU" sz="1400" dirty="0"/>
-              <a:t>,</a:t>
-            </a:r>
-            <a:r>
-              <a:rPr lang="hu-HU" sz="1400" dirty="0" err="1"/>
-              <a:t>user</a:t>
-            </a:r>
-            <a:r>
-              <a:rPr lang="hu-HU" sz="1400" dirty="0"/>
-              <a:t>"/&gt;</a:t>
-            </a:r>
-          </a:p>
-          <a:p>
-            <a:pPr marL="0" indent="0">
-              <a:buNone/>
-            </a:pPr>
-            <a:r>
-              <a:rPr lang="hu-HU" sz="1400" dirty="0"/>
-              <a:t> </a:t>
-            </a:r>
-            <a:r>
-              <a:rPr lang="hu-HU" sz="1400" dirty="0" smtClean="0"/>
-              <a:t>&lt;</a:t>
-            </a:r>
-            <a:r>
-              <a:rPr lang="hu-HU" sz="1400" dirty="0" err="1"/>
-              <a:t>user</a:t>
-            </a:r>
-            <a:r>
-              <a:rPr lang="hu-HU" sz="1400" dirty="0"/>
-              <a:t> </a:t>
-            </a:r>
-            <a:r>
-              <a:rPr lang="hu-HU" sz="1400" dirty="0" err="1"/>
-              <a:t>username</a:t>
-            </a:r>
-            <a:r>
-              <a:rPr lang="hu-HU" sz="1400" dirty="0"/>
-              <a:t>="</a:t>
-            </a:r>
-            <a:r>
-              <a:rPr lang="hu-HU" sz="1400" dirty="0" err="1"/>
-              <a:t>admin</a:t>
-            </a:r>
-            <a:r>
-              <a:rPr lang="hu-HU" sz="1400" dirty="0"/>
-              <a:t>" </a:t>
-            </a:r>
-            <a:r>
-              <a:rPr lang="hu-HU" sz="1400" dirty="0" err="1"/>
-              <a:t>password</a:t>
-            </a:r>
-            <a:r>
-              <a:rPr lang="hu-HU" sz="1400" dirty="0"/>
-              <a:t>="</a:t>
-            </a:r>
-            <a:r>
-              <a:rPr lang="hu-HU" sz="1400" dirty="0" err="1"/>
-              <a:t>admin</a:t>
-            </a:r>
-            <a:r>
-              <a:rPr lang="hu-HU" sz="1400" dirty="0"/>
-              <a:t>" </a:t>
-            </a:r>
-            <a:r>
-              <a:rPr lang="hu-HU" sz="1400" dirty="0" err="1"/>
-              <a:t>roles</a:t>
-            </a:r>
-            <a:r>
-              <a:rPr lang="hu-HU" sz="1400" dirty="0"/>
-              <a:t>="</a:t>
-            </a:r>
-            <a:r>
-              <a:rPr lang="hu-HU" sz="1400" dirty="0" err="1"/>
-              <a:t>admin</a:t>
-            </a:r>
-            <a:r>
-              <a:rPr lang="hu-HU" sz="1400" dirty="0"/>
-              <a:t>,</a:t>
-            </a:r>
-            <a:r>
-              <a:rPr lang="hu-HU" sz="1400" dirty="0" err="1"/>
-              <a:t>manager</a:t>
-            </a:r>
-            <a:r>
-              <a:rPr lang="hu-HU" sz="1400" dirty="0"/>
-              <a:t>,</a:t>
-            </a:r>
-            <a:r>
-              <a:rPr lang="hu-HU" sz="1400" dirty="0" err="1"/>
-              <a:t>user</a:t>
-            </a:r>
-            <a:r>
-              <a:rPr lang="hu-HU" sz="1400" dirty="0"/>
               <a:t>"/&gt;</a:t>
             </a:r>
             <a:endParaRPr lang="hu-HU" sz="1400" dirty="0"/>
@@ -4017,44 +3993,8 @@
               <a:t> </a:t>
             </a:r>
             <a:r>
-              <a:rPr lang="hu-HU" dirty="0" smtClean="0"/>
+              <a:rPr lang="hu-HU" smtClean="0"/>
               <a:t>RSA </a:t>
-            </a:r>
-            <a:r>
-              <a:rPr lang="hu-HU" dirty="0" err="1"/>
-              <a:t>-keystore</a:t>
-            </a:r>
-            <a:r>
-              <a:rPr lang="hu-HU" dirty="0"/>
-              <a:t> \</a:t>
-            </a:r>
-            <a:r>
-              <a:rPr lang="hu-HU" dirty="0" err="1"/>
-              <a:t>path</a:t>
-            </a:r>
-            <a:r>
-              <a:rPr lang="hu-HU" dirty="0"/>
-              <a:t>\</a:t>
-            </a:r>
-            <a:r>
-              <a:rPr lang="hu-HU" dirty="0" err="1"/>
-              <a:t>to</a:t>
-            </a:r>
-            <a:r>
-              <a:rPr lang="hu-HU" dirty="0"/>
-              <a:t>\</a:t>
-            </a:r>
-            <a:r>
-              <a:rPr lang="hu-HU" dirty="0" err="1"/>
-              <a:t>my</a:t>
-            </a:r>
-            <a:r>
-              <a:rPr lang="hu-HU" dirty="0"/>
-              <a:t>\</a:t>
-            </a:r>
-            <a:r>
-              <a:rPr lang="hu-HU" dirty="0" err="1"/>
-              <a:t>keystore</a:t>
             </a:r>
             <a:r>
               <a:rPr lang="hu-HU" dirty="0"/>
@@ -5008,7 +4948,6 @@
               <a:rPr lang="hu-HU" sz="1400" dirty="0"/>
               <a:t>};</a:t>
             </a:r>
-            <a:endParaRPr lang="hu-HU" sz="1400" dirty="0"/>
           </a:p>
         </p:txBody>
       </p:sp>
@@ -5377,7 +5316,6 @@
               <a:rPr lang="hu-HU" sz="1400" dirty="0"/>
               <a:t>" /&gt;</a:t>
             </a:r>
-            <a:endParaRPr lang="hu-HU" sz="1400" dirty="0"/>
           </a:p>
         </p:txBody>
       </p:sp>
